--- a/static/images/goslings-on-kubernetes/architecture.pptx
+++ b/static/images/goslings-on-kubernetes/architecture.pptx
@@ -288,7 +288,7 @@
           <a:p>
             <a:fld id="{388BD72A-C37C-489F-BE19-E9D8AEBBA5DC}" type="datetimeFigureOut">
               <a:rPr kumimoji="1" lang="ja-JP" altLang="en-US" smtClean="0"/>
-              <a:t>2017/10/9</a:t>
+              <a:t>2017/10/27</a:t>
             </a:fld>
             <a:endParaRPr kumimoji="1" lang="ja-JP" altLang="en-US"/>
           </a:p>
@@ -490,7 +490,7 @@
           <a:p>
             <a:fld id="{388BD72A-C37C-489F-BE19-E9D8AEBBA5DC}" type="datetimeFigureOut">
               <a:rPr kumimoji="1" lang="ja-JP" altLang="en-US" smtClean="0"/>
-              <a:t>2017/10/9</a:t>
+              <a:t>2017/10/27</a:t>
             </a:fld>
             <a:endParaRPr kumimoji="1" lang="ja-JP" altLang="en-US"/>
           </a:p>
@@ -702,7 +702,7 @@
           <a:p>
             <a:fld id="{388BD72A-C37C-489F-BE19-E9D8AEBBA5DC}" type="datetimeFigureOut">
               <a:rPr kumimoji="1" lang="ja-JP" altLang="en-US" smtClean="0"/>
-              <a:t>2017/10/9</a:t>
+              <a:t>2017/10/27</a:t>
             </a:fld>
             <a:endParaRPr kumimoji="1" lang="ja-JP" altLang="en-US"/>
           </a:p>
@@ -904,7 +904,7 @@
           <a:p>
             <a:fld id="{388BD72A-C37C-489F-BE19-E9D8AEBBA5DC}" type="datetimeFigureOut">
               <a:rPr kumimoji="1" lang="ja-JP" altLang="en-US" smtClean="0"/>
-              <a:t>2017/10/9</a:t>
+              <a:t>2017/10/27</a:t>
             </a:fld>
             <a:endParaRPr kumimoji="1" lang="ja-JP" altLang="en-US"/>
           </a:p>
@@ -1150,7 +1150,7 @@
           <a:p>
             <a:fld id="{388BD72A-C37C-489F-BE19-E9D8AEBBA5DC}" type="datetimeFigureOut">
               <a:rPr kumimoji="1" lang="ja-JP" altLang="en-US" smtClean="0"/>
-              <a:t>2017/10/9</a:t>
+              <a:t>2017/10/27</a:t>
             </a:fld>
             <a:endParaRPr kumimoji="1" lang="ja-JP" altLang="en-US"/>
           </a:p>
@@ -1502,7 +1502,7 @@
           <a:p>
             <a:fld id="{388BD72A-C37C-489F-BE19-E9D8AEBBA5DC}" type="datetimeFigureOut">
               <a:rPr kumimoji="1" lang="ja-JP" altLang="en-US" smtClean="0"/>
-              <a:t>2017/10/9</a:t>
+              <a:t>2017/10/27</a:t>
             </a:fld>
             <a:endParaRPr kumimoji="1" lang="ja-JP" altLang="en-US"/>
           </a:p>
@@ -1988,7 +1988,7 @@
           <a:p>
             <a:fld id="{388BD72A-C37C-489F-BE19-E9D8AEBBA5DC}" type="datetimeFigureOut">
               <a:rPr kumimoji="1" lang="ja-JP" altLang="en-US" smtClean="0"/>
-              <a:t>2017/10/9</a:t>
+              <a:t>2017/10/27</a:t>
             </a:fld>
             <a:endParaRPr kumimoji="1" lang="ja-JP" altLang="en-US"/>
           </a:p>
@@ -2106,7 +2106,7 @@
           <a:p>
             <a:fld id="{388BD72A-C37C-489F-BE19-E9D8AEBBA5DC}" type="datetimeFigureOut">
               <a:rPr kumimoji="1" lang="ja-JP" altLang="en-US" smtClean="0"/>
-              <a:t>2017/10/9</a:t>
+              <a:t>2017/10/27</a:t>
             </a:fld>
             <a:endParaRPr kumimoji="1" lang="ja-JP" altLang="en-US"/>
           </a:p>
@@ -2201,7 +2201,7 @@
           <a:p>
             <a:fld id="{388BD72A-C37C-489F-BE19-E9D8AEBBA5DC}" type="datetimeFigureOut">
               <a:rPr kumimoji="1" lang="ja-JP" altLang="en-US" smtClean="0"/>
-              <a:t>2017/10/9</a:t>
+              <a:t>2017/10/27</a:t>
             </a:fld>
             <a:endParaRPr kumimoji="1" lang="ja-JP" altLang="en-US"/>
           </a:p>
@@ -2510,7 +2510,7 @@
           <a:p>
             <a:fld id="{388BD72A-C37C-489F-BE19-E9D8AEBBA5DC}" type="datetimeFigureOut">
               <a:rPr kumimoji="1" lang="ja-JP" altLang="en-US" smtClean="0"/>
-              <a:t>2017/10/9</a:t>
+              <a:t>2017/10/27</a:t>
             </a:fld>
             <a:endParaRPr kumimoji="1" lang="ja-JP" altLang="en-US"/>
           </a:p>
@@ -2763,7 +2763,7 @@
           <a:p>
             <a:fld id="{388BD72A-C37C-489F-BE19-E9D8AEBBA5DC}" type="datetimeFigureOut">
               <a:rPr kumimoji="1" lang="ja-JP" altLang="en-US" smtClean="0"/>
-              <a:t>2017/10/9</a:t>
+              <a:t>2017/10/27</a:t>
             </a:fld>
             <a:endParaRPr kumimoji="1" lang="ja-JP" altLang="en-US"/>
           </a:p>
@@ -3008,7 +3008,7 @@
           <a:p>
             <a:fld id="{388BD72A-C37C-489F-BE19-E9D8AEBBA5DC}" type="datetimeFigureOut">
               <a:rPr kumimoji="1" lang="ja-JP" altLang="en-US" smtClean="0"/>
-              <a:t>2017/10/9</a:t>
+              <a:t>2017/10/27</a:t>
             </a:fld>
             <a:endParaRPr kumimoji="1" lang="ja-JP" altLang="en-US"/>
           </a:p>
@@ -3385,19 +3385,26 @@
       </p:grpSpPr>
       <p:sp>
         <p:nvSpPr>
-          <p:cNvPr id="4" name="正方形/長方形 3"/>
-          <p:cNvSpPr/>
+          <p:cNvPr id="38" name="六角形 37"/>
+          <p:cNvSpPr>
+            <a:spLocks noChangeAspect="1"/>
+          </p:cNvSpPr>
           <p:nvPr/>
         </p:nvSpPr>
         <p:spPr>
-          <a:xfrm>
-            <a:off x="2033234" y="73355"/>
-            <a:ext cx="3420720" cy="3348032"/>
-          </a:xfrm>
-          <a:prstGeom prst="rect">
+          <a:xfrm rot="5400000">
+            <a:off x="1789825" y="69525"/>
+            <a:ext cx="3920703" cy="3629254"/>
+          </a:xfrm>
+          <a:prstGeom prst="hexagon">
             <a:avLst/>
           </a:prstGeom>
-          <a:noFill/>
+          <a:solidFill>
+            <a:srgbClr val="326DE6"/>
+          </a:solidFill>
+          <a:ln>
+            <a:noFill/>
+          </a:ln>
         </p:spPr>
         <p:style>
           <a:lnRef idx="2">
@@ -3416,46 +3423,42 @@
           </a:fontRef>
         </p:style>
         <p:txBody>
-          <a:bodyPr rtlCol="0" anchor="t" anchorCtr="0"/>
-          <a:lstStyle/>
-          <a:p>
-            <a:r>
-              <a:rPr lang="en-US" altLang="ja-JP" dirty="0" smtClean="0">
-                <a:solidFill>
-                  <a:schemeClr val="accent1">
-                    <a:lumMod val="50000"/>
-                  </a:schemeClr>
-                </a:solidFill>
-                <a:latin typeface="Impact" panose="020B0806030902050204" pitchFamily="34" charset="0"/>
-              </a:rPr>
-              <a:t>Server</a:t>
-            </a:r>
-            <a:endParaRPr kumimoji="1" lang="ja-JP" altLang="en-US" dirty="0">
-              <a:solidFill>
-                <a:schemeClr val="accent1">
-                  <a:lumMod val="50000"/>
-                </a:schemeClr>
-              </a:solidFill>
+          <a:bodyPr rtlCol="0" anchor="ctr"/>
+          <a:lstStyle/>
+          <a:p>
+            <a:pPr algn="ctr"/>
+            <a:endParaRPr lang="ja-JP" altLang="en-US" dirty="0">
               <a:latin typeface="Impact" panose="020B0806030902050204" pitchFamily="34" charset="0"/>
+              <a:ea typeface="Segoe UI Emoji" panose="020B0502040204020203" pitchFamily="34" charset="0"/>
+              <a:cs typeface="Arial Unicode MS" panose="020B0604020202020204" pitchFamily="50" charset="-128"/>
             </a:endParaRPr>
           </a:p>
         </p:txBody>
       </p:sp>
       <p:sp>
         <p:nvSpPr>
-          <p:cNvPr id="5" name="正方形/長方形 4"/>
+          <p:cNvPr id="7" name="七角形 6"/>
           <p:cNvSpPr/>
           <p:nvPr/>
         </p:nvSpPr>
         <p:spPr>
           <a:xfrm>
-            <a:off x="2224180" y="3709419"/>
-            <a:ext cx="3060000" cy="3060000"/>
-          </a:xfrm>
-          <a:prstGeom prst="rect">
+            <a:off x="2096715" y="338188"/>
+            <a:ext cx="3293760" cy="3069432"/>
+          </a:xfrm>
+          <a:prstGeom prst="heptagon">
             <a:avLst/>
           </a:prstGeom>
-          <a:noFill/>
+          <a:solidFill>
+            <a:srgbClr val="326DE6"/>
+          </a:solidFill>
+          <a:ln cap="rnd">
+            <a:solidFill>
+              <a:schemeClr val="bg1">
+                <a:lumMod val="95000"/>
+              </a:schemeClr>
+            </a:solidFill>
+          </a:ln>
         </p:spPr>
         <p:style>
           <a:lnRef idx="2">
@@ -3474,43 +3477,30 @@
           </a:fontRef>
         </p:style>
         <p:txBody>
-          <a:bodyPr rtlCol="0" anchor="t" anchorCtr="0"/>
-          <a:lstStyle/>
-          <a:p>
-            <a:r>
-              <a:rPr lang="en-US" altLang="ja-JP" dirty="0" smtClean="0">
-                <a:solidFill>
-                  <a:schemeClr val="accent1">
-                    <a:lumMod val="50000"/>
-                  </a:schemeClr>
-                </a:solidFill>
-                <a:latin typeface="Impact" panose="020B0806030902050204" pitchFamily="34" charset="0"/>
-              </a:rPr>
-              <a:t>Server</a:t>
-            </a:r>
-            <a:endParaRPr lang="ja-JP" altLang="en-US" dirty="0">
-              <a:solidFill>
-                <a:schemeClr val="accent1">
-                  <a:lumMod val="50000"/>
-                </a:schemeClr>
-              </a:solidFill>
+          <a:bodyPr rtlCol="0" anchor="ctr"/>
+          <a:lstStyle/>
+          <a:p>
+            <a:pPr algn="ctr"/>
+            <a:endParaRPr kumimoji="1" lang="ja-JP" altLang="en-US" dirty="0">
               <a:latin typeface="Impact" panose="020B0806030902050204" pitchFamily="34" charset="0"/>
+              <a:ea typeface="Arial Unicode MS" panose="020B0604020202020204" pitchFamily="50" charset="-128"/>
+              <a:cs typeface="Arial Unicode MS" panose="020B0604020202020204" pitchFamily="50" charset="-128"/>
             </a:endParaRPr>
           </a:p>
         </p:txBody>
       </p:sp>
       <p:sp>
         <p:nvSpPr>
-          <p:cNvPr id="7" name="七角形 6"/>
+          <p:cNvPr id="2" name="六角形 1"/>
           <p:cNvSpPr/>
           <p:nvPr/>
         </p:nvSpPr>
         <p:spPr>
-          <a:xfrm>
-            <a:off x="2096715" y="196340"/>
-            <a:ext cx="3293760" cy="3069432"/>
-          </a:xfrm>
-          <a:prstGeom prst="heptagon">
+          <a:xfrm rot="5400000">
+            <a:off x="2307844" y="4028218"/>
+            <a:ext cx="2892672" cy="2677643"/>
+          </a:xfrm>
+          <a:prstGeom prst="hexagon">
             <a:avLst/>
           </a:prstGeom>
           <a:solidFill>
@@ -3541,56 +3531,6 @@
           <a:lstStyle/>
           <a:p>
             <a:pPr algn="ctr"/>
-            <a:endParaRPr kumimoji="1" lang="ja-JP" altLang="en-US" dirty="0">
-              <a:latin typeface="Impact" panose="020B0806030902050204" pitchFamily="34" charset="0"/>
-              <a:ea typeface="Arial Unicode MS" panose="020B0604020202020204" pitchFamily="50" charset="-128"/>
-              <a:cs typeface="Arial Unicode MS" panose="020B0604020202020204" pitchFamily="50" charset="-128"/>
-            </a:endParaRPr>
-          </a:p>
-        </p:txBody>
-      </p:sp>
-      <p:sp>
-        <p:nvSpPr>
-          <p:cNvPr id="2" name="六角形 1"/>
-          <p:cNvSpPr/>
-          <p:nvPr/>
-        </p:nvSpPr>
-        <p:spPr>
-          <a:xfrm rot="5400000">
-            <a:off x="2307844" y="3886370"/>
-            <a:ext cx="2892672" cy="2677643"/>
-          </a:xfrm>
-          <a:prstGeom prst="hexagon">
-            <a:avLst/>
-          </a:prstGeom>
-          <a:solidFill>
-            <a:srgbClr val="326DE6"/>
-          </a:solidFill>
-          <a:ln>
-            <a:noFill/>
-          </a:ln>
-        </p:spPr>
-        <p:style>
-          <a:lnRef idx="2">
-            <a:schemeClr val="accent1">
-              <a:shade val="50000"/>
-            </a:schemeClr>
-          </a:lnRef>
-          <a:fillRef idx="1">
-            <a:schemeClr val="accent1"/>
-          </a:fillRef>
-          <a:effectRef idx="0">
-            <a:schemeClr val="accent1"/>
-          </a:effectRef>
-          <a:fontRef idx="minor">
-            <a:schemeClr val="lt1"/>
-          </a:fontRef>
-        </p:style>
-        <p:txBody>
-          <a:bodyPr rtlCol="0" anchor="ctr"/>
-          <a:lstStyle/>
-          <a:p>
-            <a:pPr algn="ctr"/>
             <a:endParaRPr lang="ja-JP" altLang="en-US" dirty="0">
               <a:latin typeface="Impact" panose="020B0806030902050204" pitchFamily="34" charset="0"/>
               <a:ea typeface="Segoe UI Emoji" panose="020B0502040204020203" pitchFamily="34" charset="0"/>
@@ -3607,7 +3547,7 @@
         </p:nvSpPr>
         <p:spPr>
           <a:xfrm>
-            <a:off x="3185362" y="2557291"/>
+            <a:off x="3185362" y="2699139"/>
             <a:ext cx="1080120" cy="432048"/>
           </a:xfrm>
           <a:prstGeom prst="roundRect">
@@ -3659,7 +3599,7 @@
         </p:nvSpPr>
         <p:spPr>
           <a:xfrm>
-            <a:off x="2588718" y="4573515"/>
+            <a:off x="2588718" y="4715363"/>
             <a:ext cx="1080120" cy="432048"/>
           </a:xfrm>
           <a:prstGeom prst="roundRect">
@@ -3717,7 +3657,7 @@
         </p:nvSpPr>
         <p:spPr>
           <a:xfrm>
-            <a:off x="3844020" y="4573516"/>
+            <a:off x="3844020" y="4715364"/>
             <a:ext cx="1080120" cy="432048"/>
           </a:xfrm>
           <a:prstGeom prst="roundRect">
@@ -3784,7 +3724,7 @@
         </p:blipFill>
         <p:spPr bwMode="auto">
           <a:xfrm>
-            <a:off x="3282729" y="5563321"/>
+            <a:off x="3282729" y="5705169"/>
             <a:ext cx="1137355" cy="787927"/>
           </a:xfrm>
           <a:prstGeom prst="rect">
@@ -3834,7 +3774,7 @@
         </p:blipFill>
         <p:spPr bwMode="auto">
           <a:xfrm>
-            <a:off x="-203033" y="3421387"/>
+            <a:off x="-203033" y="3563235"/>
             <a:ext cx="1300163" cy="1300163"/>
           </a:xfrm>
           <a:prstGeom prst="rect">
@@ -3882,7 +3822,7 @@
         </p:blipFill>
         <p:spPr bwMode="auto">
           <a:xfrm>
-            <a:off x="809098" y="3430737"/>
+            <a:off x="809098" y="3572585"/>
             <a:ext cx="1099000" cy="1099000"/>
           </a:xfrm>
           <a:prstGeom prst="rect">
@@ -3911,7 +3851,7 @@
         </p:nvCxnSpPr>
         <p:spPr>
           <a:xfrm rot="5400000" flipH="1" flipV="1">
-            <a:off x="1943269" y="2188644"/>
+            <a:off x="1943269" y="2330492"/>
             <a:ext cx="657422" cy="1826764"/>
           </a:xfrm>
           <a:prstGeom prst="bentConnector2">
@@ -3945,7 +3885,7 @@
         </p:nvSpPr>
         <p:spPr>
           <a:xfrm>
-            <a:off x="3407771" y="4005064"/>
+            <a:off x="3407771" y="4146912"/>
             <a:ext cx="692818" cy="369332"/>
           </a:xfrm>
           <a:prstGeom prst="rect">
@@ -3985,7 +3925,7 @@
         </p:nvSpPr>
         <p:spPr>
           <a:xfrm>
-            <a:off x="3319440" y="404664"/>
+            <a:off x="3319440" y="546512"/>
             <a:ext cx="848309" cy="369332"/>
           </a:xfrm>
           <a:prstGeom prst="rect">
@@ -4025,7 +3965,7 @@
         </p:nvSpPr>
         <p:spPr>
           <a:xfrm>
-            <a:off x="3310440" y="5909909"/>
+            <a:off x="3310440" y="6051757"/>
             <a:ext cx="936104" cy="369332"/>
           </a:xfrm>
           <a:prstGeom prst="rect">
@@ -4071,7 +4011,7 @@
         </p:nvSpPr>
         <p:spPr>
           <a:xfrm>
-            <a:off x="2681306" y="764704"/>
+            <a:off x="2681306" y="906552"/>
             <a:ext cx="593896" cy="504056"/>
           </a:xfrm>
           <a:prstGeom prst="flowChartMagneticDisk">
@@ -4121,7 +4061,7 @@
         </p:nvSpPr>
         <p:spPr>
           <a:xfrm>
-            <a:off x="2917208" y="980728"/>
+            <a:off x="2917208" y="1122576"/>
             <a:ext cx="601504" cy="432048"/>
           </a:xfrm>
           <a:prstGeom prst="roundRect">
@@ -4176,7 +4116,7 @@
         </p:nvCxnSpPr>
         <p:spPr>
           <a:xfrm rot="16200000" flipV="1">
-            <a:off x="2899434" y="1731303"/>
+            <a:off x="2899434" y="1873151"/>
             <a:ext cx="1144515" cy="507462"/>
           </a:xfrm>
           <a:prstGeom prst="bentConnector3">
@@ -4212,7 +4152,7 @@
         </p:nvSpPr>
         <p:spPr>
           <a:xfrm>
-            <a:off x="3905442" y="1268760"/>
+            <a:off x="3905442" y="1410608"/>
             <a:ext cx="1258279" cy="712315"/>
           </a:xfrm>
           <a:prstGeom prst="roundRect">
@@ -4270,7 +4210,7 @@
         </p:nvSpPr>
         <p:spPr>
           <a:xfrm>
-            <a:off x="2213594" y="1873214"/>
+            <a:off x="2213594" y="2015062"/>
             <a:ext cx="1080120" cy="432048"/>
           </a:xfrm>
           <a:prstGeom prst="roundRect">
@@ -4331,7 +4271,7 @@
         </p:nvCxnSpPr>
         <p:spPr>
           <a:xfrm>
-            <a:off x="3518712" y="1196752"/>
+            <a:off x="3518712" y="1338600"/>
             <a:ext cx="386730" cy="428166"/>
           </a:xfrm>
           <a:prstGeom prst="bentConnector3">
@@ -4370,7 +4310,7 @@
         </p:nvCxnSpPr>
         <p:spPr>
           <a:xfrm rot="10800000" flipV="1">
-            <a:off x="2753654" y="1196752"/>
+            <a:off x="2753654" y="1338600"/>
             <a:ext cx="163554" cy="676462"/>
           </a:xfrm>
           <a:prstGeom prst="bentConnector2">
@@ -4407,7 +4347,7 @@
         </p:nvCxnSpPr>
         <p:spPr>
           <a:xfrm rot="16200000" flipH="1">
-            <a:off x="2735482" y="2323434"/>
+            <a:off x="2735482" y="2465282"/>
             <a:ext cx="468053" cy="431708"/>
           </a:xfrm>
           <a:prstGeom prst="bentConnector2">
@@ -4444,7 +4384,7 @@
         </p:nvCxnSpPr>
         <p:spPr>
           <a:xfrm rot="5400000">
-            <a:off x="4003912" y="2242645"/>
+            <a:off x="4003912" y="2384493"/>
             <a:ext cx="792240" cy="269100"/>
           </a:xfrm>
           <a:prstGeom prst="bentConnector2">
@@ -4481,7 +4421,7 @@
         </p:nvCxnSpPr>
         <p:spPr>
           <a:xfrm rot="16200000" flipH="1">
-            <a:off x="3262663" y="3452098"/>
+            <a:off x="3262663" y="3593946"/>
             <a:ext cx="1584177" cy="658658"/>
           </a:xfrm>
           <a:prstGeom prst="bentConnector3">
@@ -4520,7 +4460,7 @@
         </p:nvCxnSpPr>
         <p:spPr>
           <a:xfrm rot="16200000" flipH="1">
-            <a:off x="3926222" y="5463422"/>
+            <a:off x="3926222" y="5605270"/>
             <a:ext cx="951721" cy="36004"/>
           </a:xfrm>
           <a:prstGeom prst="bentConnector4">
@@ -4560,7 +4500,7 @@
         </p:nvCxnSpPr>
         <p:spPr>
           <a:xfrm rot="16200000" flipH="1">
-            <a:off x="1843757" y="4044578"/>
+            <a:off x="1843757" y="4186426"/>
             <a:ext cx="259802" cy="1230120"/>
           </a:xfrm>
           <a:prstGeom prst="bentConnector2">
@@ -4597,7 +4537,7 @@
         </p:nvCxnSpPr>
         <p:spPr>
           <a:xfrm rot="16200000" flipH="1">
-            <a:off x="3211213" y="4923127"/>
+            <a:off x="3211213" y="5064975"/>
             <a:ext cx="557758" cy="722629"/>
           </a:xfrm>
           <a:prstGeom prst="bentConnector3">
@@ -4627,19 +4567,26 @@
       </p:cxnSp>
       <p:sp>
         <p:nvSpPr>
-          <p:cNvPr id="108" name="正方形/長方形 107"/>
-          <p:cNvSpPr/>
+          <p:cNvPr id="109" name="六角形 108"/>
+          <p:cNvSpPr>
+            <a:spLocks noChangeAspect="1"/>
+          </p:cNvSpPr>
           <p:nvPr/>
         </p:nvSpPr>
         <p:spPr>
-          <a:xfrm>
-            <a:off x="5652120" y="4058237"/>
-            <a:ext cx="1440000" cy="1440000"/>
-          </a:xfrm>
-          <a:prstGeom prst="rect">
+          <a:xfrm rot="5400000">
+            <a:off x="5692343" y="4289605"/>
+            <a:ext cx="1359553" cy="1258492"/>
+          </a:xfrm>
+          <a:prstGeom prst="hexagon">
             <a:avLst/>
           </a:prstGeom>
-          <a:noFill/>
+          <a:solidFill>
+            <a:srgbClr val="326DE6"/>
+          </a:solidFill>
+          <a:ln>
+            <a:noFill/>
+          </a:ln>
         </p:spPr>
         <p:style>
           <a:lnRef idx="2">
@@ -4662,13 +4609,96 @@
           <a:lstStyle/>
           <a:p>
             <a:pPr algn="ctr"/>
-            <a:endParaRPr kumimoji="1" lang="ja-JP" altLang="en-US"/>
-          </a:p>
-        </p:txBody>
-      </p:sp>
-      <p:sp>
-        <p:nvSpPr>
-          <p:cNvPr id="109" name="六角形 108"/>
+            <a:endParaRPr lang="ja-JP" altLang="en-US" dirty="0">
+              <a:latin typeface="Impact" panose="020B0806030902050204" pitchFamily="34" charset="0"/>
+              <a:ea typeface="Segoe UI Emoji" panose="020B0502040204020203" pitchFamily="34" charset="0"/>
+              <a:cs typeface="Arial Unicode MS" panose="020B0604020202020204" pitchFamily="50" charset="-128"/>
+            </a:endParaRPr>
+          </a:p>
+        </p:txBody>
+      </p:sp>
+      <p:cxnSp>
+        <p:nvCxnSpPr>
+          <p:cNvPr id="110" name="カギ線コネクタ 109"/>
+          <p:cNvCxnSpPr>
+            <a:stCxn id="8" idx="2"/>
+            <a:endCxn id="109" idx="3"/>
+          </p:cNvCxnSpPr>
+          <p:nvPr/>
+        </p:nvCxnSpPr>
+        <p:spPr>
+          <a:xfrm rot="16200000" flipH="1">
+            <a:off x="4494827" y="2361782"/>
+            <a:ext cx="1107888" cy="2646698"/>
+          </a:xfrm>
+          <a:prstGeom prst="bentConnector3">
+            <a:avLst>
+              <a:gd name="adj1" fmla="val 47937"/>
+            </a:avLst>
+          </a:prstGeom>
+          <a:ln>
+            <a:tailEnd type="triangle"/>
+          </a:ln>
+          <a:effectLst/>
+        </p:spPr>
+        <p:style>
+          <a:lnRef idx="3">
+            <a:schemeClr val="accent3"/>
+          </a:lnRef>
+          <a:fillRef idx="0">
+            <a:schemeClr val="accent3"/>
+          </a:fillRef>
+          <a:effectRef idx="2">
+            <a:schemeClr val="accent3"/>
+          </a:effectRef>
+          <a:fontRef idx="minor">
+            <a:schemeClr val="tx1"/>
+          </a:fontRef>
+        </p:style>
+      </p:cxnSp>
+      <p:sp>
+        <p:nvSpPr>
+          <p:cNvPr id="113" name="テキスト ボックス 112"/>
+          <p:cNvSpPr txBox="1"/>
+          <p:nvPr/>
+        </p:nvSpPr>
+        <p:spPr>
+          <a:xfrm>
+            <a:off x="6025711" y="4715363"/>
+            <a:ext cx="692818" cy="369332"/>
+          </a:xfrm>
+          <a:prstGeom prst="rect">
+            <a:avLst/>
+          </a:prstGeom>
+          <a:noFill/>
+        </p:spPr>
+        <p:txBody>
+          <a:bodyPr wrap="none" rtlCol="0">
+            <a:spAutoFit/>
+          </a:bodyPr>
+          <a:lstStyle/>
+          <a:p>
+            <a:r>
+              <a:rPr kumimoji="1" lang="en-US" altLang="ja-JP" dirty="0" smtClean="0">
+                <a:solidFill>
+                  <a:srgbClr val="F0F0F0"/>
+                </a:solidFill>
+                <a:latin typeface="Impact" panose="020B0806030902050204" pitchFamily="34" charset="0"/>
+              </a:rPr>
+              <a:t>Node</a:t>
+            </a:r>
+            <a:endParaRPr kumimoji="1" lang="ja-JP" altLang="en-US" dirty="0">
+              <a:solidFill>
+                <a:srgbClr val="F0F0F0"/>
+              </a:solidFill>
+              <a:latin typeface="Impact" panose="020B0806030902050204" pitchFamily="34" charset="0"/>
+            </a:endParaRPr>
+          </a:p>
+        </p:txBody>
+      </p:sp>
+      <p:sp>
+        <p:nvSpPr>
+          <p:cNvPr id="115" name="六角形 114"/>
           <p:cNvSpPr>
             <a:spLocks noChangeAspect="1"/>
           </p:cNvSpPr>
@@ -4676,7 +4706,7 @@
         </p:nvSpPr>
         <p:spPr>
           <a:xfrm rot="5400000">
-            <a:off x="5692343" y="4147757"/>
+            <a:off x="7348687" y="4290839"/>
             <a:ext cx="1359553" cy="1258492"/>
           </a:xfrm>
           <a:prstGeom prst="hexagon">
@@ -4718,26 +4748,66 @@
           </a:p>
         </p:txBody>
       </p:sp>
+      <p:sp>
+        <p:nvSpPr>
+          <p:cNvPr id="116" name="テキスト ボックス 115"/>
+          <p:cNvSpPr txBox="1"/>
+          <p:nvPr/>
+        </p:nvSpPr>
+        <p:spPr>
+          <a:xfrm>
+            <a:off x="7682055" y="4716597"/>
+            <a:ext cx="692818" cy="369332"/>
+          </a:xfrm>
+          <a:prstGeom prst="rect">
+            <a:avLst/>
+          </a:prstGeom>
+          <a:noFill/>
+        </p:spPr>
+        <p:txBody>
+          <a:bodyPr wrap="none" rtlCol="0">
+            <a:spAutoFit/>
+          </a:bodyPr>
+          <a:lstStyle/>
+          <a:p>
+            <a:r>
+              <a:rPr kumimoji="1" lang="en-US" altLang="ja-JP" dirty="0" smtClean="0">
+                <a:solidFill>
+                  <a:srgbClr val="F0F0F0"/>
+                </a:solidFill>
+                <a:latin typeface="Impact" panose="020B0806030902050204" pitchFamily="34" charset="0"/>
+              </a:rPr>
+              <a:t>Node</a:t>
+            </a:r>
+            <a:endParaRPr kumimoji="1" lang="ja-JP" altLang="en-US" dirty="0">
+              <a:solidFill>
+                <a:srgbClr val="F0F0F0"/>
+              </a:solidFill>
+              <a:latin typeface="Impact" panose="020B0806030902050204" pitchFamily="34" charset="0"/>
+            </a:endParaRPr>
+          </a:p>
+        </p:txBody>
+      </p:sp>
       <p:cxnSp>
         <p:nvCxnSpPr>
-          <p:cNvPr id="110" name="カギ線コネクタ 109"/>
+          <p:cNvPr id="117" name="カギ線コネクタ 116"/>
           <p:cNvCxnSpPr>
             <a:stCxn id="8" idx="2"/>
-            <a:endCxn id="109" idx="3"/>
           </p:cNvCxnSpPr>
           <p:nvPr/>
         </p:nvCxnSpPr>
         <p:spPr>
           <a:xfrm rot="16200000" flipH="1">
-            <a:off x="4494827" y="2219934"/>
-            <a:ext cx="1107888" cy="2646698"/>
+            <a:off x="5341877" y="1514732"/>
+            <a:ext cx="1070132" cy="4303042"/>
           </a:xfrm>
           <a:prstGeom prst="bentConnector3">
             <a:avLst>
-              <a:gd name="adj1" fmla="val 47937"/>
+              <a:gd name="adj1" fmla="val 50000"/>
             </a:avLst>
           </a:prstGeom>
           <a:ln>
+            <a:headEnd type="triangle"/>
             <a:tailEnd type="triangle"/>
           </a:ln>
           <a:effectLst/>
@@ -4759,13 +4829,61 @@
       </p:cxnSp>
       <p:sp>
         <p:nvSpPr>
-          <p:cNvPr id="113" name="テキスト ボックス 112"/>
+          <p:cNvPr id="1043" name="テキスト ボックス 1042"/>
           <p:cNvSpPr txBox="1"/>
           <p:nvPr/>
         </p:nvSpPr>
         <p:spPr>
           <a:xfrm>
-            <a:off x="6025711" y="4573515"/>
+            <a:off x="6171774" y="1184066"/>
+            <a:ext cx="2273379" cy="830997"/>
+          </a:xfrm>
+          <a:prstGeom prst="rect">
+            <a:avLst/>
+          </a:prstGeom>
+          <a:noFill/>
+        </p:spPr>
+        <p:txBody>
+          <a:bodyPr wrap="none" rtlCol="0">
+            <a:spAutoFit/>
+          </a:bodyPr>
+          <a:lstStyle/>
+          <a:p>
+            <a:r>
+              <a:rPr kumimoji="1" lang="en-US" altLang="ja-JP" sz="2400" dirty="0" smtClean="0">
+                <a:latin typeface="Arial Unicode MS" panose="020B0604020202020204" pitchFamily="50" charset="-128"/>
+                <a:ea typeface="Arial Unicode MS" panose="020B0604020202020204" pitchFamily="50" charset="-128"/>
+                <a:cs typeface="Arial Unicode MS" panose="020B0604020202020204" pitchFamily="50" charset="-128"/>
+              </a:rPr>
+              <a:t>Architecture of</a:t>
+            </a:r>
+          </a:p>
+          <a:p>
+            <a:r>
+              <a:rPr kumimoji="1" lang="en-US" altLang="ja-JP" sz="2400" dirty="0" smtClean="0">
+                <a:latin typeface="Arial Unicode MS" panose="020B0604020202020204" pitchFamily="50" charset="-128"/>
+                <a:ea typeface="Arial Unicode MS" panose="020B0604020202020204" pitchFamily="50" charset="-128"/>
+                <a:cs typeface="Arial Unicode MS" panose="020B0604020202020204" pitchFamily="50" charset="-128"/>
+              </a:rPr>
+              <a:t>Kubernetes 1.8</a:t>
+            </a:r>
+            <a:endParaRPr kumimoji="1" lang="ja-JP" altLang="en-US" sz="2400" dirty="0">
+              <a:latin typeface="Arial Unicode MS" panose="020B0604020202020204" pitchFamily="50" charset="-128"/>
+              <a:ea typeface="Arial Unicode MS" panose="020B0604020202020204" pitchFamily="50" charset="-128"/>
+              <a:cs typeface="Arial Unicode MS" panose="020B0604020202020204" pitchFamily="50" charset="-128"/>
+            </a:endParaRPr>
+          </a:p>
+        </p:txBody>
+      </p:sp>
+      <p:sp>
+        <p:nvSpPr>
+          <p:cNvPr id="40" name="テキスト ボックス 39"/>
+          <p:cNvSpPr txBox="1"/>
+          <p:nvPr/>
+        </p:nvSpPr>
+        <p:spPr>
+          <a:xfrm>
+            <a:off x="3403768" y="-4956"/>
             <a:ext cx="692818" cy="369332"/>
           </a:xfrm>
           <a:prstGeom prst="rect">
@@ -4793,227 +4911,6 @@
                 <a:srgbClr val="F0F0F0"/>
               </a:solidFill>
               <a:latin typeface="Impact" panose="020B0806030902050204" pitchFamily="34" charset="0"/>
-            </a:endParaRPr>
-          </a:p>
-        </p:txBody>
-      </p:sp>
-      <p:sp>
-        <p:nvSpPr>
-          <p:cNvPr id="114" name="正方形/長方形 113"/>
-          <p:cNvSpPr/>
-          <p:nvPr/>
-        </p:nvSpPr>
-        <p:spPr>
-          <a:xfrm>
-            <a:off x="7308464" y="4059471"/>
-            <a:ext cx="1440000" cy="1440000"/>
-          </a:xfrm>
-          <a:prstGeom prst="rect">
-            <a:avLst/>
-          </a:prstGeom>
-          <a:noFill/>
-        </p:spPr>
-        <p:style>
-          <a:lnRef idx="2">
-            <a:schemeClr val="accent1">
-              <a:shade val="50000"/>
-            </a:schemeClr>
-          </a:lnRef>
-          <a:fillRef idx="1">
-            <a:schemeClr val="accent1"/>
-          </a:fillRef>
-          <a:effectRef idx="0">
-            <a:schemeClr val="accent1"/>
-          </a:effectRef>
-          <a:fontRef idx="minor">
-            <a:schemeClr val="lt1"/>
-          </a:fontRef>
-        </p:style>
-        <p:txBody>
-          <a:bodyPr rtlCol="0" anchor="ctr"/>
-          <a:lstStyle/>
-          <a:p>
-            <a:pPr algn="ctr"/>
-            <a:endParaRPr kumimoji="1" lang="ja-JP" altLang="en-US"/>
-          </a:p>
-        </p:txBody>
-      </p:sp>
-      <p:sp>
-        <p:nvSpPr>
-          <p:cNvPr id="115" name="六角形 114"/>
-          <p:cNvSpPr>
-            <a:spLocks noChangeAspect="1"/>
-          </p:cNvSpPr>
-          <p:nvPr/>
-        </p:nvSpPr>
-        <p:spPr>
-          <a:xfrm rot="5400000">
-            <a:off x="7348687" y="4148991"/>
-            <a:ext cx="1359553" cy="1258492"/>
-          </a:xfrm>
-          <a:prstGeom prst="hexagon">
-            <a:avLst/>
-          </a:prstGeom>
-          <a:solidFill>
-            <a:srgbClr val="326DE6"/>
-          </a:solidFill>
-          <a:ln>
-            <a:noFill/>
-          </a:ln>
-        </p:spPr>
-        <p:style>
-          <a:lnRef idx="2">
-            <a:schemeClr val="accent1">
-              <a:shade val="50000"/>
-            </a:schemeClr>
-          </a:lnRef>
-          <a:fillRef idx="1">
-            <a:schemeClr val="accent1"/>
-          </a:fillRef>
-          <a:effectRef idx="0">
-            <a:schemeClr val="accent1"/>
-          </a:effectRef>
-          <a:fontRef idx="minor">
-            <a:schemeClr val="lt1"/>
-          </a:fontRef>
-        </p:style>
-        <p:txBody>
-          <a:bodyPr rtlCol="0" anchor="ctr"/>
-          <a:lstStyle/>
-          <a:p>
-            <a:pPr algn="ctr"/>
-            <a:endParaRPr lang="ja-JP" altLang="en-US" dirty="0">
-              <a:latin typeface="Impact" panose="020B0806030902050204" pitchFamily="34" charset="0"/>
-              <a:ea typeface="Segoe UI Emoji" panose="020B0502040204020203" pitchFamily="34" charset="0"/>
-              <a:cs typeface="Arial Unicode MS" panose="020B0604020202020204" pitchFamily="50" charset="-128"/>
-            </a:endParaRPr>
-          </a:p>
-        </p:txBody>
-      </p:sp>
-      <p:sp>
-        <p:nvSpPr>
-          <p:cNvPr id="116" name="テキスト ボックス 115"/>
-          <p:cNvSpPr txBox="1"/>
-          <p:nvPr/>
-        </p:nvSpPr>
-        <p:spPr>
-          <a:xfrm>
-            <a:off x="7682055" y="4574749"/>
-            <a:ext cx="692818" cy="369332"/>
-          </a:xfrm>
-          <a:prstGeom prst="rect">
-            <a:avLst/>
-          </a:prstGeom>
-          <a:noFill/>
-        </p:spPr>
-        <p:txBody>
-          <a:bodyPr wrap="none" rtlCol="0">
-            <a:spAutoFit/>
-          </a:bodyPr>
-          <a:lstStyle/>
-          <a:p>
-            <a:r>
-              <a:rPr kumimoji="1" lang="en-US" altLang="ja-JP" dirty="0" smtClean="0">
-                <a:solidFill>
-                  <a:srgbClr val="F0F0F0"/>
-                </a:solidFill>
-                <a:latin typeface="Impact" panose="020B0806030902050204" pitchFamily="34" charset="0"/>
-              </a:rPr>
-              <a:t>Node</a:t>
-            </a:r>
-            <a:endParaRPr kumimoji="1" lang="ja-JP" altLang="en-US" dirty="0">
-              <a:solidFill>
-                <a:srgbClr val="F0F0F0"/>
-              </a:solidFill>
-              <a:latin typeface="Impact" panose="020B0806030902050204" pitchFamily="34" charset="0"/>
-            </a:endParaRPr>
-          </a:p>
-        </p:txBody>
-      </p:sp>
-      <p:cxnSp>
-        <p:nvCxnSpPr>
-          <p:cNvPr id="117" name="カギ線コネクタ 116"/>
-          <p:cNvCxnSpPr>
-            <a:stCxn id="8" idx="2"/>
-            <a:endCxn id="114" idx="0"/>
-          </p:cNvCxnSpPr>
-          <p:nvPr/>
-        </p:nvCxnSpPr>
-        <p:spPr>
-          <a:xfrm rot="16200000" flipH="1">
-            <a:off x="5341877" y="1372884"/>
-            <a:ext cx="1070132" cy="4303042"/>
-          </a:xfrm>
-          <a:prstGeom prst="bentConnector3">
-            <a:avLst>
-              <a:gd name="adj1" fmla="val 50000"/>
-            </a:avLst>
-          </a:prstGeom>
-          <a:ln>
-            <a:headEnd type="triangle"/>
-            <a:tailEnd type="triangle"/>
-          </a:ln>
-          <a:effectLst/>
-        </p:spPr>
-        <p:style>
-          <a:lnRef idx="3">
-            <a:schemeClr val="accent3"/>
-          </a:lnRef>
-          <a:fillRef idx="0">
-            <a:schemeClr val="accent3"/>
-          </a:fillRef>
-          <a:effectRef idx="2">
-            <a:schemeClr val="accent3"/>
-          </a:effectRef>
-          <a:fontRef idx="minor">
-            <a:schemeClr val="tx1"/>
-          </a:fontRef>
-        </p:style>
-      </p:cxnSp>
-      <p:sp>
-        <p:nvSpPr>
-          <p:cNvPr id="1043" name="テキスト ボックス 1042"/>
-          <p:cNvSpPr txBox="1"/>
-          <p:nvPr/>
-        </p:nvSpPr>
-        <p:spPr>
-          <a:xfrm>
-            <a:off x="6171774" y="1042218"/>
-            <a:ext cx="2273379" cy="830997"/>
-          </a:xfrm>
-          <a:prstGeom prst="rect">
-            <a:avLst/>
-          </a:prstGeom>
-          <a:noFill/>
-        </p:spPr>
-        <p:txBody>
-          <a:bodyPr wrap="none" rtlCol="0">
-            <a:spAutoFit/>
-          </a:bodyPr>
-          <a:lstStyle/>
-          <a:p>
-            <a:r>
-              <a:rPr kumimoji="1" lang="en-US" altLang="ja-JP" sz="2400" dirty="0" smtClean="0">
-                <a:latin typeface="Arial Unicode MS" panose="020B0604020202020204" pitchFamily="50" charset="-128"/>
-                <a:ea typeface="Arial Unicode MS" panose="020B0604020202020204" pitchFamily="50" charset="-128"/>
-                <a:cs typeface="Arial Unicode MS" panose="020B0604020202020204" pitchFamily="50" charset="-128"/>
-              </a:rPr>
-              <a:t>Architecture of</a:t>
-            </a:r>
-          </a:p>
-          <a:p>
-            <a:r>
-              <a:rPr kumimoji="1" lang="en-US" altLang="ja-JP" sz="2400" dirty="0" smtClean="0">
-                <a:latin typeface="Arial Unicode MS" panose="020B0604020202020204" pitchFamily="50" charset="-128"/>
-                <a:ea typeface="Arial Unicode MS" panose="020B0604020202020204" pitchFamily="50" charset="-128"/>
-                <a:cs typeface="Arial Unicode MS" panose="020B0604020202020204" pitchFamily="50" charset="-128"/>
-              </a:rPr>
-              <a:t>Kubernetes 1.8</a:t>
-            </a:r>
-            <a:endParaRPr kumimoji="1" lang="ja-JP" altLang="en-US" sz="2400" dirty="0">
-              <a:latin typeface="Arial Unicode MS" panose="020B0604020202020204" pitchFamily="50" charset="-128"/>
-              <a:ea typeface="Arial Unicode MS" panose="020B0604020202020204" pitchFamily="50" charset="-128"/>
-              <a:cs typeface="Arial Unicode MS" panose="020B0604020202020204" pitchFamily="50" charset="-128"/>
             </a:endParaRPr>
           </a:p>
         </p:txBody>

--- a/static/images/goslings-on-kubernetes/architecture.pptx
+++ b/static/images/goslings-on-kubernetes/architecture.pptx
@@ -288,7 +288,7 @@
           <a:p>
             <a:fld id="{388BD72A-C37C-489F-BE19-E9D8AEBBA5DC}" type="datetimeFigureOut">
               <a:rPr kumimoji="1" lang="ja-JP" altLang="en-US" smtClean="0"/>
-              <a:t>2017/10/27</a:t>
+              <a:t>2018/6/3</a:t>
             </a:fld>
             <a:endParaRPr kumimoji="1" lang="ja-JP" altLang="en-US"/>
           </a:p>
@@ -490,7 +490,7 @@
           <a:p>
             <a:fld id="{388BD72A-C37C-489F-BE19-E9D8AEBBA5DC}" type="datetimeFigureOut">
               <a:rPr kumimoji="1" lang="ja-JP" altLang="en-US" smtClean="0"/>
-              <a:t>2017/10/27</a:t>
+              <a:t>2018/6/3</a:t>
             </a:fld>
             <a:endParaRPr kumimoji="1" lang="ja-JP" altLang="en-US"/>
           </a:p>
@@ -702,7 +702,7 @@
           <a:p>
             <a:fld id="{388BD72A-C37C-489F-BE19-E9D8AEBBA5DC}" type="datetimeFigureOut">
               <a:rPr kumimoji="1" lang="ja-JP" altLang="en-US" smtClean="0"/>
-              <a:t>2017/10/27</a:t>
+              <a:t>2018/6/3</a:t>
             </a:fld>
             <a:endParaRPr kumimoji="1" lang="ja-JP" altLang="en-US"/>
           </a:p>
@@ -904,7 +904,7 @@
           <a:p>
             <a:fld id="{388BD72A-C37C-489F-BE19-E9D8AEBBA5DC}" type="datetimeFigureOut">
               <a:rPr kumimoji="1" lang="ja-JP" altLang="en-US" smtClean="0"/>
-              <a:t>2017/10/27</a:t>
+              <a:t>2018/6/3</a:t>
             </a:fld>
             <a:endParaRPr kumimoji="1" lang="ja-JP" altLang="en-US"/>
           </a:p>
@@ -1150,7 +1150,7 @@
           <a:p>
             <a:fld id="{388BD72A-C37C-489F-BE19-E9D8AEBBA5DC}" type="datetimeFigureOut">
               <a:rPr kumimoji="1" lang="ja-JP" altLang="en-US" smtClean="0"/>
-              <a:t>2017/10/27</a:t>
+              <a:t>2018/6/3</a:t>
             </a:fld>
             <a:endParaRPr kumimoji="1" lang="ja-JP" altLang="en-US"/>
           </a:p>
@@ -1502,7 +1502,7 @@
           <a:p>
             <a:fld id="{388BD72A-C37C-489F-BE19-E9D8AEBBA5DC}" type="datetimeFigureOut">
               <a:rPr kumimoji="1" lang="ja-JP" altLang="en-US" smtClean="0"/>
-              <a:t>2017/10/27</a:t>
+              <a:t>2018/6/3</a:t>
             </a:fld>
             <a:endParaRPr kumimoji="1" lang="ja-JP" altLang="en-US"/>
           </a:p>
@@ -1988,7 +1988,7 @@
           <a:p>
             <a:fld id="{388BD72A-C37C-489F-BE19-E9D8AEBBA5DC}" type="datetimeFigureOut">
               <a:rPr kumimoji="1" lang="ja-JP" altLang="en-US" smtClean="0"/>
-              <a:t>2017/10/27</a:t>
+              <a:t>2018/6/3</a:t>
             </a:fld>
             <a:endParaRPr kumimoji="1" lang="ja-JP" altLang="en-US"/>
           </a:p>
@@ -2106,7 +2106,7 @@
           <a:p>
             <a:fld id="{388BD72A-C37C-489F-BE19-E9D8AEBBA5DC}" type="datetimeFigureOut">
               <a:rPr kumimoji="1" lang="ja-JP" altLang="en-US" smtClean="0"/>
-              <a:t>2017/10/27</a:t>
+              <a:t>2018/6/3</a:t>
             </a:fld>
             <a:endParaRPr kumimoji="1" lang="ja-JP" altLang="en-US"/>
           </a:p>
@@ -2201,7 +2201,7 @@
           <a:p>
             <a:fld id="{388BD72A-C37C-489F-BE19-E9D8AEBBA5DC}" type="datetimeFigureOut">
               <a:rPr kumimoji="1" lang="ja-JP" altLang="en-US" smtClean="0"/>
-              <a:t>2017/10/27</a:t>
+              <a:t>2018/6/3</a:t>
             </a:fld>
             <a:endParaRPr kumimoji="1" lang="ja-JP" altLang="en-US"/>
           </a:p>
@@ -2510,7 +2510,7 @@
           <a:p>
             <a:fld id="{388BD72A-C37C-489F-BE19-E9D8AEBBA5DC}" type="datetimeFigureOut">
               <a:rPr kumimoji="1" lang="ja-JP" altLang="en-US" smtClean="0"/>
-              <a:t>2017/10/27</a:t>
+              <a:t>2018/6/3</a:t>
             </a:fld>
             <a:endParaRPr kumimoji="1" lang="ja-JP" altLang="en-US"/>
           </a:p>
@@ -2763,7 +2763,7 @@
           <a:p>
             <a:fld id="{388BD72A-C37C-489F-BE19-E9D8AEBBA5DC}" type="datetimeFigureOut">
               <a:rPr kumimoji="1" lang="ja-JP" altLang="en-US" smtClean="0"/>
-              <a:t>2017/10/27</a:t>
+              <a:t>2018/6/3</a:t>
             </a:fld>
             <a:endParaRPr kumimoji="1" lang="ja-JP" altLang="en-US"/>
           </a:p>
@@ -3008,7 +3008,7 @@
           <a:p>
             <a:fld id="{388BD72A-C37C-489F-BE19-E9D8AEBBA5DC}" type="datetimeFigureOut">
               <a:rPr kumimoji="1" lang="ja-JP" altLang="en-US" smtClean="0"/>
-              <a:t>2017/10/27</a:t>
+              <a:t>2018/6/3</a:t>
             </a:fld>
             <a:endParaRPr kumimoji="1" lang="ja-JP" altLang="en-US"/>
           </a:p>
@@ -4262,82 +4262,6 @@
       </p:sp>
       <p:cxnSp>
         <p:nvCxnSpPr>
-          <p:cNvPr id="55" name="カギ線コネクタ 54"/>
-          <p:cNvCxnSpPr>
-            <a:stCxn id="3" idx="3"/>
-            <a:endCxn id="48" idx="1"/>
-          </p:cNvCxnSpPr>
-          <p:nvPr/>
-        </p:nvCxnSpPr>
-        <p:spPr>
-          <a:xfrm>
-            <a:off x="3518712" y="1338600"/>
-            <a:ext cx="386730" cy="428166"/>
-          </a:xfrm>
-          <a:prstGeom prst="bentConnector3">
-            <a:avLst>
-              <a:gd name="adj1" fmla="val 50000"/>
-            </a:avLst>
-          </a:prstGeom>
-          <a:ln>
-            <a:tailEnd type="triangle"/>
-          </a:ln>
-          <a:effectLst/>
-        </p:spPr>
-        <p:style>
-          <a:lnRef idx="3">
-            <a:schemeClr val="accent3"/>
-          </a:lnRef>
-          <a:fillRef idx="0">
-            <a:schemeClr val="accent3"/>
-          </a:fillRef>
-          <a:effectRef idx="2">
-            <a:schemeClr val="accent3"/>
-          </a:effectRef>
-          <a:fontRef idx="minor">
-            <a:schemeClr val="tx1"/>
-          </a:fontRef>
-        </p:style>
-      </p:cxnSp>
-      <p:cxnSp>
-        <p:nvCxnSpPr>
-          <p:cNvPr id="58" name="カギ線コネクタ 57"/>
-          <p:cNvCxnSpPr>
-            <a:stCxn id="3" idx="1"/>
-            <a:endCxn id="50" idx="0"/>
-          </p:cNvCxnSpPr>
-          <p:nvPr/>
-        </p:nvCxnSpPr>
-        <p:spPr>
-          <a:xfrm rot="10800000" flipV="1">
-            <a:off x="2753654" y="1338600"/>
-            <a:ext cx="163554" cy="676462"/>
-          </a:xfrm>
-          <a:prstGeom prst="bentConnector2">
-            <a:avLst/>
-          </a:prstGeom>
-          <a:ln>
-            <a:tailEnd type="triangle"/>
-          </a:ln>
-          <a:effectLst/>
-        </p:spPr>
-        <p:style>
-          <a:lnRef idx="3">
-            <a:schemeClr val="accent3"/>
-          </a:lnRef>
-          <a:fillRef idx="0">
-            <a:schemeClr val="accent3"/>
-          </a:fillRef>
-          <a:effectRef idx="2">
-            <a:schemeClr val="accent3"/>
-          </a:effectRef>
-          <a:fontRef idx="minor">
-            <a:schemeClr val="tx1"/>
-          </a:fontRef>
-        </p:style>
-      </p:cxnSp>
-      <p:cxnSp>
-        <p:nvCxnSpPr>
           <p:cNvPr id="61" name="カギ線コネクタ 60"/>
           <p:cNvCxnSpPr>
             <a:stCxn id="50" idx="2"/>
@@ -4454,91 +4378,14 @@
           <p:cNvPr id="72" name="カギ線コネクタ 71"/>
           <p:cNvCxnSpPr>
             <a:stCxn id="10" idx="2"/>
-            <a:endCxn id="1028" idx="3"/>
-          </p:cNvCxnSpPr>
-          <p:nvPr/>
-        </p:nvCxnSpPr>
-        <p:spPr>
-          <a:xfrm rot="16200000" flipH="1">
-            <a:off x="3926222" y="5605270"/>
-            <a:ext cx="951721" cy="36004"/>
-          </a:xfrm>
-          <a:prstGeom prst="bentConnector4">
-            <a:avLst>
-              <a:gd name="adj1" fmla="val 29302"/>
-              <a:gd name="adj2" fmla="val 1403794"/>
-            </a:avLst>
-          </a:prstGeom>
-          <a:ln>
-            <a:tailEnd type="triangle"/>
-          </a:ln>
-          <a:effectLst/>
-        </p:spPr>
-        <p:style>
-          <a:lnRef idx="3">
-            <a:schemeClr val="accent3"/>
-          </a:lnRef>
-          <a:fillRef idx="0">
-            <a:schemeClr val="accent3"/>
-          </a:fillRef>
-          <a:effectRef idx="2">
-            <a:schemeClr val="accent3"/>
-          </a:effectRef>
-          <a:fontRef idx="minor">
-            <a:schemeClr val="tx1"/>
-          </a:fontRef>
-        </p:style>
-      </p:cxnSp>
-      <p:cxnSp>
-        <p:nvCxnSpPr>
-          <p:cNvPr id="76" name="カギ線コネクタ 75"/>
-          <p:cNvCxnSpPr>
-            <a:stCxn id="1034" idx="2"/>
-            <a:endCxn id="9" idx="1"/>
-          </p:cNvCxnSpPr>
-          <p:nvPr/>
-        </p:nvCxnSpPr>
-        <p:spPr>
-          <a:xfrm rot="16200000" flipH="1">
-            <a:off x="1843757" y="4186426"/>
-            <a:ext cx="259802" cy="1230120"/>
-          </a:xfrm>
-          <a:prstGeom prst="bentConnector2">
-            <a:avLst/>
-          </a:prstGeom>
-          <a:ln>
-            <a:tailEnd type="triangle"/>
-          </a:ln>
-          <a:effectLst/>
-        </p:spPr>
-        <p:style>
-          <a:lnRef idx="3">
-            <a:schemeClr val="accent3"/>
-          </a:lnRef>
-          <a:fillRef idx="0">
-            <a:schemeClr val="accent3"/>
-          </a:fillRef>
-          <a:effectRef idx="2">
-            <a:schemeClr val="accent3"/>
-          </a:effectRef>
-          <a:fontRef idx="minor">
-            <a:schemeClr val="tx1"/>
-          </a:fontRef>
-        </p:style>
-      </p:cxnSp>
-      <p:cxnSp>
-        <p:nvCxnSpPr>
-          <p:cNvPr id="79" name="カギ線コネクタ 78"/>
-          <p:cNvCxnSpPr>
-            <a:stCxn id="9" idx="2"/>
             <a:endCxn id="1028" idx="0"/>
           </p:cNvCxnSpPr>
           <p:nvPr/>
         </p:nvCxnSpPr>
         <p:spPr>
-          <a:xfrm rot="16200000" flipH="1">
-            <a:off x="3211213" y="5064975"/>
-            <a:ext cx="557758" cy="722629"/>
+          <a:xfrm rot="5400000">
+            <a:off x="3838866" y="5159954"/>
+            <a:ext cx="557757" cy="532673"/>
           </a:xfrm>
           <a:prstGeom prst="bentConnector3">
             <a:avLst>
@@ -4915,6 +4762,45 @@
           </a:p>
         </p:txBody>
       </p:sp>
+      <p:cxnSp>
+        <p:nvCxnSpPr>
+          <p:cNvPr id="36" name="カギ線コネクタ 35"/>
+          <p:cNvCxnSpPr>
+            <a:stCxn id="9" idx="0"/>
+            <a:endCxn id="8" idx="2"/>
+          </p:cNvCxnSpPr>
+          <p:nvPr/>
+        </p:nvCxnSpPr>
+        <p:spPr>
+          <a:xfrm rot="5400000" flipH="1" flipV="1">
+            <a:off x="2635012" y="3624953"/>
+            <a:ext cx="1584176" cy="596644"/>
+          </a:xfrm>
+          <a:prstGeom prst="bentConnector3">
+            <a:avLst>
+              <a:gd name="adj1" fmla="val 66234"/>
+            </a:avLst>
+          </a:prstGeom>
+          <a:ln>
+            <a:tailEnd type="triangle"/>
+          </a:ln>
+          <a:effectLst/>
+        </p:spPr>
+        <p:style>
+          <a:lnRef idx="3">
+            <a:schemeClr val="accent3"/>
+          </a:lnRef>
+          <a:fillRef idx="0">
+            <a:schemeClr val="accent3"/>
+          </a:fillRef>
+          <a:effectRef idx="2">
+            <a:schemeClr val="accent3"/>
+          </a:effectRef>
+          <a:fontRef idx="minor">
+            <a:schemeClr val="tx1"/>
+          </a:fontRef>
+        </p:style>
+      </p:cxnSp>
     </p:spTree>
     <p:extLst>
       <p:ext uri="{BB962C8B-B14F-4D97-AF65-F5344CB8AC3E}">
